--- a/Documents/Presentation - Final.pptx
+++ b/Documents/Presentation - Final.pptx
@@ -233,7 +233,7 @@
           <a:p>
             <a:fld id="{BEA74EB7-856E-45FD-83F0-5F7C6F3E4372}" type="datetimeFigureOut">
               <a:rPr lang="en-US"/>
-              <a:t>4/17/2017</a:t>
+              <a:t>4/18/2017</a:t>
             </a:fld>
             <a:endParaRPr/>
           </a:p>
@@ -398,7 +398,7 @@
           <a:p>
             <a:fld id="{C61B0E40-8125-41F8-BB6C-139D8D531A4F}" type="datetimeFigureOut">
               <a:rPr lang="en-US"/>
-              <a:t>4/17/2017</a:t>
+              <a:t>4/18/2017</a:t>
             </a:fld>
             <a:endParaRPr/>
           </a:p>
@@ -1220,7 +1220,7 @@
             <a:fld id="{8E36636D-D922-432D-A958-524484B5923D}" type="datetimeFigureOut">
               <a:rPr lang="en-US"/>
               <a:pPr/>
-              <a:t>4/17/2017</a:t>
+              <a:t>4/18/2017</a:t>
             </a:fld>
             <a:endParaRPr/>
           </a:p>
@@ -1420,7 +1420,7 @@
             <a:fld id="{8E36636D-D922-432D-A958-524484B5923D}" type="datetimeFigureOut">
               <a:rPr lang="en-US"/>
               <a:pPr/>
-              <a:t>4/17/2017</a:t>
+              <a:t>4/18/2017</a:t>
             </a:fld>
             <a:endParaRPr/>
           </a:p>
@@ -1630,7 +1630,7 @@
             <a:fld id="{8E36636D-D922-432D-A958-524484B5923D}" type="datetimeFigureOut">
               <a:rPr lang="en-US"/>
               <a:pPr/>
-              <a:t>4/17/2017</a:t>
+              <a:t>4/18/2017</a:t>
             </a:fld>
             <a:endParaRPr/>
           </a:p>
@@ -1820,7 +1820,7 @@
             <a:fld id="{8E36636D-D922-432D-A958-524484B5923D}" type="datetimeFigureOut">
               <a:rPr lang="en-US"/>
               <a:pPr/>
-              <a:t>4/17/2017</a:t>
+              <a:t>4/18/2017</a:t>
             </a:fld>
             <a:endParaRPr/>
           </a:p>
@@ -2093,7 +2093,7 @@
             <a:fld id="{8E36636D-D922-432D-A958-524484B5923D}" type="datetimeFigureOut">
               <a:rPr lang="en-US"/>
               <a:pPr/>
-              <a:t>4/17/2017</a:t>
+              <a:t>4/18/2017</a:t>
             </a:fld>
             <a:endParaRPr/>
           </a:p>
@@ -2415,7 +2415,7 @@
             <a:fld id="{8E36636D-D922-432D-A958-524484B5923D}" type="datetimeFigureOut">
               <a:rPr lang="en-US"/>
               <a:pPr/>
-              <a:t>4/17/2017</a:t>
+              <a:t>4/18/2017</a:t>
             </a:fld>
             <a:endParaRPr/>
           </a:p>
@@ -2865,7 +2865,7 @@
             <a:fld id="{8E36636D-D922-432D-A958-524484B5923D}" type="datetimeFigureOut">
               <a:rPr lang="en-US"/>
               <a:pPr/>
-              <a:t>4/17/2017</a:t>
+              <a:t>4/18/2017</a:t>
             </a:fld>
             <a:endParaRPr/>
           </a:p>
@@ -2997,7 +2997,7 @@
             <a:fld id="{8E36636D-D922-432D-A958-524484B5923D}" type="datetimeFigureOut">
               <a:rPr lang="en-US"/>
               <a:pPr/>
-              <a:t>4/17/2017</a:t>
+              <a:t>4/18/2017</a:t>
             </a:fld>
             <a:endParaRPr/>
           </a:p>
@@ -3259,7 +3259,7 @@
             <a:fld id="{8E36636D-D922-432D-A958-524484B5923D}" type="datetimeFigureOut">
               <a:rPr lang="en-US"/>
               <a:pPr/>
-              <a:t>4/17/2017</a:t>
+              <a:t>4/18/2017</a:t>
             </a:fld>
             <a:endParaRPr/>
           </a:p>
@@ -3606,7 +3606,7 @@
             <a:fld id="{8E36636D-D922-432D-A958-524484B5923D}" type="datetimeFigureOut">
               <a:rPr lang="en-US"/>
               <a:pPr/>
-              <a:t>4/17/2017</a:t>
+              <a:t>4/18/2017</a:t>
             </a:fld>
             <a:endParaRPr/>
           </a:p>
@@ -3941,7 +3941,7 @@
             <a:fld id="{8E36636D-D922-432D-A958-524484B5923D}" type="datetimeFigureOut">
               <a:rPr lang="en-US"/>
               <a:pPr/>
-              <a:t>4/17/2017</a:t>
+              <a:t>4/18/2017</a:t>
             </a:fld>
             <a:endParaRPr/>
           </a:p>
@@ -4472,7 +4472,7 @@
             <a:fld id="{8E36636D-D922-432D-A958-524484B5923D}" type="datetimeFigureOut">
               <a:rPr lang="en-US"/>
               <a:pPr/>
-              <a:t>4/17/2017</a:t>
+              <a:t>4/18/2017</a:t>
             </a:fld>
             <a:endParaRPr/>
           </a:p>
@@ -6096,7 +6096,16 @@
           <a:bodyPr/>
           <a:lstStyle/>
           <a:p>
-            <a:endParaRPr lang="en-CA" dirty="0"/>
+            <a:r>
+              <a:rPr lang="en-CA" dirty="0"/>
+              <a:t>I consider my project to be a success because it is fully functional according to the original plan.</a:t>
+            </a:r>
+          </a:p>
+          <a:p>
+            <a:r>
+              <a:rPr lang="en-CA" dirty="0"/>
+              <a:t>It does represent a hole in the market for home monitoring devices, most of which don’t usually include all of the sensors I did for water and electricity monitoring.</a:t>
+            </a:r>
           </a:p>
         </p:txBody>
       </p:sp>
@@ -6115,7 +6124,10 @@
           <a:bodyPr/>
           <a:lstStyle/>
           <a:p>
-            <a:endParaRPr lang="en-CA"/>
+            <a:r>
+              <a:rPr lang="en-CA" dirty="0"/>
+              <a:t>Unfortunately, to take the ActiveHouse project to market I would need to significantly reduce the build costs and move if off of Raspberry Pi and Arduino to cheaper micro controllers which would probably require a complete rewrite of the system.</a:t>
+            </a:r>
           </a:p>
         </p:txBody>
       </p:sp>
